--- a/hackaton.pptx
+++ b/hackaton.pptx
@@ -3655,7 +3655,7 @@
                 <a:latin typeface="Bahnschrift" panose="020B0502040204020203" charset="0"/>
                 <a:cs typeface="Bahnschrift" panose="020B0502040204020203" charset="0"/>
               </a:rPr>
-              <a:t>Исянвовы</a:t>
+              <a:t>Исяновы</a:t>
             </a:r>
             <a:r>
               <a:rPr lang="en-US" altLang="ru-RU" sz="4800">
